--- a/Pet App Presentation.pptx
+++ b/Pet App Presentation.pptx
@@ -4209,7 +4209,7 @@
                 <a:latin typeface="Arial Narrow" panose="020B0606020202030204" charset="0"/>
                 <a:cs typeface="Arial Narrow" panose="020B0606020202030204" charset="0"/>
               </a:rPr>
-              <a:t>Channel specific microservices</a:t>
+              <a:t>Channel specific exp services</a:t>
             </a:r>
             <a:endParaRPr lang="en-US" sz="1200">
               <a:solidFill>
@@ -5740,7 +5740,7 @@
                 <a:latin typeface="Arial" panose="020B0604020202020204" pitchFamily="34" charset="0"/>
                 <a:cs typeface="Arial" panose="020B0604020202020204" pitchFamily="34" charset="0"/>
               </a:rPr>
-              <a:t>- Channel specific micro services: provides channel specific user experience for better usability of application. </a:t>
+              <a:t>- Channel specific experience micro services: provides channel specific user experience for better usability of application. </a:t>
             </a:r>
             <a:endParaRPr lang="en-US" sz="1400">
               <a:latin typeface="Arial" panose="020B0604020202020204" pitchFamily="34" charset="0"/>
